--- a/PLPTH813Bioinformatis/2025/1_lecture/lecture07_BEDtools.pptx
+++ b/PLPTH813Bioinformatis/2025/1_lecture/lecture07_BEDtools.pptx
@@ -229,7 +229,7 @@
           <a:p>
             <a:fld id="{B392CAC3-BC96-1B48-ABA7-081ADDC031DF}" type="datetimeFigureOut">
               <a:rPr lang="en-US" smtClean="0"/>
-              <a:t>2/11/25</a:t>
+              <a:t>2/13/25</a:t>
             </a:fld>
             <a:endParaRPr lang="en-US"/>
           </a:p>
@@ -1634,7 +1634,7 @@
           <a:p>
             <a:fld id="{E5230AC4-D4BA-D14E-BFAC-9F8211D28A16}" type="datetimeFigureOut">
               <a:rPr lang="en-US" smtClean="0"/>
-              <a:t>2/11/25</a:t>
+              <a:t>2/13/25</a:t>
             </a:fld>
             <a:endParaRPr lang="en-US"/>
           </a:p>
@@ -1804,7 +1804,7 @@
           <a:p>
             <a:fld id="{E5230AC4-D4BA-D14E-BFAC-9F8211D28A16}" type="datetimeFigureOut">
               <a:rPr lang="en-US" smtClean="0"/>
-              <a:t>2/11/25</a:t>
+              <a:t>2/13/25</a:t>
             </a:fld>
             <a:endParaRPr lang="en-US"/>
           </a:p>
@@ -1984,7 +1984,7 @@
           <a:p>
             <a:fld id="{E5230AC4-D4BA-D14E-BFAC-9F8211D28A16}" type="datetimeFigureOut">
               <a:rPr lang="en-US" smtClean="0"/>
-              <a:t>2/11/25</a:t>
+              <a:t>2/13/25</a:t>
             </a:fld>
             <a:endParaRPr lang="en-US"/>
           </a:p>
@@ -2154,7 +2154,7 @@
           <a:p>
             <a:fld id="{E5230AC4-D4BA-D14E-BFAC-9F8211D28A16}" type="datetimeFigureOut">
               <a:rPr lang="en-US" smtClean="0"/>
-              <a:t>2/11/25</a:t>
+              <a:t>2/13/25</a:t>
             </a:fld>
             <a:endParaRPr lang="en-US"/>
           </a:p>
@@ -2400,7 +2400,7 @@
           <a:p>
             <a:fld id="{E5230AC4-D4BA-D14E-BFAC-9F8211D28A16}" type="datetimeFigureOut">
               <a:rPr lang="en-US" smtClean="0"/>
-              <a:t>2/11/25</a:t>
+              <a:t>2/13/25</a:t>
             </a:fld>
             <a:endParaRPr lang="en-US"/>
           </a:p>
@@ -2632,7 +2632,7 @@
           <a:p>
             <a:fld id="{E5230AC4-D4BA-D14E-BFAC-9F8211D28A16}" type="datetimeFigureOut">
               <a:rPr lang="en-US" smtClean="0"/>
-              <a:t>2/11/25</a:t>
+              <a:t>2/13/25</a:t>
             </a:fld>
             <a:endParaRPr lang="en-US"/>
           </a:p>
@@ -2999,7 +2999,7 @@
           <a:p>
             <a:fld id="{E5230AC4-D4BA-D14E-BFAC-9F8211D28A16}" type="datetimeFigureOut">
               <a:rPr lang="en-US" smtClean="0"/>
-              <a:t>2/11/25</a:t>
+              <a:t>2/13/25</a:t>
             </a:fld>
             <a:endParaRPr lang="en-US"/>
           </a:p>
@@ -3117,7 +3117,7 @@
           <a:p>
             <a:fld id="{E5230AC4-D4BA-D14E-BFAC-9F8211D28A16}" type="datetimeFigureOut">
               <a:rPr lang="en-US" smtClean="0"/>
-              <a:t>2/11/25</a:t>
+              <a:t>2/13/25</a:t>
             </a:fld>
             <a:endParaRPr lang="en-US"/>
           </a:p>
@@ -3212,7 +3212,7 @@
           <a:p>
             <a:fld id="{E5230AC4-D4BA-D14E-BFAC-9F8211D28A16}" type="datetimeFigureOut">
               <a:rPr lang="en-US" smtClean="0"/>
-              <a:t>2/11/25</a:t>
+              <a:t>2/13/25</a:t>
             </a:fld>
             <a:endParaRPr lang="en-US"/>
           </a:p>
@@ -3489,7 +3489,7 @@
           <a:p>
             <a:fld id="{E5230AC4-D4BA-D14E-BFAC-9F8211D28A16}" type="datetimeFigureOut">
               <a:rPr lang="en-US" smtClean="0"/>
-              <a:t>2/11/25</a:t>
+              <a:t>2/13/25</a:t>
             </a:fld>
             <a:endParaRPr lang="en-US"/>
           </a:p>
@@ -3746,7 +3746,7 @@
           <a:p>
             <a:fld id="{E5230AC4-D4BA-D14E-BFAC-9F8211D28A16}" type="datetimeFigureOut">
               <a:rPr lang="en-US" smtClean="0"/>
-              <a:t>2/11/25</a:t>
+              <a:t>2/13/25</a:t>
             </a:fld>
             <a:endParaRPr lang="en-US"/>
           </a:p>
@@ -3959,7 +3959,7 @@
           <a:p>
             <a:fld id="{E5230AC4-D4BA-D14E-BFAC-9F8211D28A16}" type="datetimeFigureOut">
               <a:rPr lang="en-US" smtClean="0"/>
-              <a:t>2/11/25</a:t>
+              <a:t>2/13/25</a:t>
             </a:fld>
             <a:endParaRPr lang="en-US"/>
           </a:p>
@@ -11596,7 +11596,7 @@
         </p:spPr>
         <p:txBody>
           <a:bodyPr>
-            <a:normAutofit/>
+            <a:normAutofit lnSpcReduction="10000"/>
           </a:bodyPr>
           <a:lstStyle/>
           <a:p>
@@ -11634,6 +11634,17 @@
             <a:r>
               <a:rPr lang="en-US" sz="3200" dirty="0"/>
               <a:t>Software installation</a:t>
+            </a:r>
+          </a:p>
+          <a:p>
+            <a:pPr>
+              <a:lnSpc>
+                <a:spcPct val="150000"/>
+              </a:lnSpc>
+            </a:pPr>
+            <a:r>
+              <a:rPr lang="en-US" sz="3200" dirty="0"/>
+              <a:t>GitHub</a:t>
             </a:r>
           </a:p>
           <a:p>
@@ -13132,7 +13143,7 @@
         </p:spPr>
         <p:txBody>
           <a:bodyPr>
-            <a:normAutofit/>
+            <a:normAutofit lnSpcReduction="10000"/>
           </a:bodyPr>
           <a:lstStyle/>
           <a:p>
@@ -13188,6 +13199,23 @@
             <a:r>
               <a:rPr lang="en-US" sz="3200" dirty="0"/>
               <a:t>Software installation</a:t>
+            </a:r>
+          </a:p>
+          <a:p>
+            <a:pPr>
+              <a:lnSpc>
+                <a:spcPct val="150000"/>
+              </a:lnSpc>
+            </a:pPr>
+            <a:r>
+              <a:rPr lang="en-US" sz="3200" dirty="0">
+                <a:solidFill>
+                  <a:schemeClr val="bg1">
+                    <a:lumMod val="85000"/>
+                  </a:schemeClr>
+                </a:solidFill>
+              </a:rPr>
+              <a:t>GitHub</a:t>
             </a:r>
           </a:p>
           <a:p>
@@ -17564,7 +17592,7 @@
         </p:nvSpPr>
         <p:spPr>
           <a:xfrm>
-            <a:off x="628650" y="142877"/>
+            <a:off x="628650" y="275150"/>
             <a:ext cx="7886700" cy="698564"/>
           </a:xfrm>
         </p:spPr>
@@ -17590,7 +17618,7 @@
         </p:nvSpPr>
         <p:spPr>
           <a:xfrm>
-            <a:off x="693086" y="1252428"/>
+            <a:off x="716089" y="1048256"/>
             <a:ext cx="7486881" cy="3046988"/>
           </a:xfrm>
           <a:prstGeom prst="rect">
@@ -17703,6 +17731,94 @@
                 <a:cs typeface="Calibri Light" panose="020F0302020204030204" pitchFamily="34" charset="0"/>
               </a:rPr>
               <a:t>chr1	0	100</a:t>
+            </a:r>
+          </a:p>
+        </p:txBody>
+      </p:sp>
+      <p:sp>
+        <p:nvSpPr>
+          <p:cNvPr id="3" name="TextBox 2">
+            <a:extLst>
+              <a:ext uri="{FF2B5EF4-FFF2-40B4-BE49-F238E27FC236}">
+                <a16:creationId xmlns:a16="http://schemas.microsoft.com/office/drawing/2014/main" id="{62EA7DBD-7F0F-7048-0D72-15B88F6D7EEF}"/>
+              </a:ext>
+            </a:extLst>
+          </p:cNvPr>
+          <p:cNvSpPr txBox="1"/>
+          <p:nvPr/>
+        </p:nvSpPr>
+        <p:spPr>
+          <a:xfrm>
+            <a:off x="4572000" y="3852687"/>
+            <a:ext cx="3393056" cy="1015663"/>
+          </a:xfrm>
+          <a:prstGeom prst="rect">
+            <a:avLst/>
+          </a:prstGeom>
+          <a:noFill/>
+        </p:spPr>
+        <p:txBody>
+          <a:bodyPr wrap="square" rtlCol="0">
+            <a:spAutoFit/>
+          </a:bodyPr>
+          <a:lstStyle/>
+          <a:p>
+            <a:r>
+              <a:rPr lang="en-US" sz="2000" dirty="0">
+                <a:latin typeface="Courier New" panose="02070309020205020404" pitchFamily="49" charset="0"/>
+                <a:cs typeface="Courier New" panose="02070309020205020404" pitchFamily="49" charset="0"/>
+              </a:rPr>
+              <a:t>0-based 0 1 2 3</a:t>
+            </a:r>
+            <a:r>
+              <a:rPr lang="zh-CN" altLang="en-US" sz="2000" dirty="0">
+                <a:latin typeface="Courier New" panose="02070309020205020404" pitchFamily="49" charset="0"/>
+                <a:cs typeface="Courier New" panose="02070309020205020404" pitchFamily="49" charset="0"/>
+              </a:rPr>
+              <a:t> </a:t>
+            </a:r>
+            <a:r>
+              <a:rPr lang="en-US" altLang="zh-CN" sz="2000" dirty="0">
+                <a:latin typeface="Courier New" panose="02070309020205020404" pitchFamily="49" charset="0"/>
+                <a:cs typeface="Courier New" panose="02070309020205020404" pitchFamily="49" charset="0"/>
+              </a:rPr>
+              <a:t>4 5</a:t>
+            </a:r>
+            <a:endParaRPr lang="en-US" sz="2000" dirty="0">
+              <a:latin typeface="Courier New" panose="02070309020205020404" pitchFamily="49" charset="0"/>
+              <a:cs typeface="Courier New" panose="02070309020205020404" pitchFamily="49" charset="0"/>
+            </a:endParaRPr>
+          </a:p>
+          <a:p>
+            <a:r>
+              <a:rPr lang="en-US" sz="2000" dirty="0">
+                <a:latin typeface="Courier New" panose="02070309020205020404" pitchFamily="49" charset="0"/>
+                <a:cs typeface="Courier New" panose="02070309020205020404" pitchFamily="49" charset="0"/>
+              </a:rPr>
+              <a:t>1-based 1 2 3</a:t>
+            </a:r>
+            <a:r>
+              <a:rPr lang="zh-CN" altLang="en-US" sz="2000" dirty="0">
+                <a:latin typeface="Courier New" panose="02070309020205020404" pitchFamily="49" charset="0"/>
+                <a:cs typeface="Courier New" panose="02070309020205020404" pitchFamily="49" charset="0"/>
+              </a:rPr>
+              <a:t> </a:t>
+            </a:r>
+            <a:r>
+              <a:rPr lang="en-US" altLang="zh-CN" sz="2000" dirty="0">
+                <a:latin typeface="Courier New" panose="02070309020205020404" pitchFamily="49" charset="0"/>
+                <a:cs typeface="Courier New" panose="02070309020205020404" pitchFamily="49" charset="0"/>
+              </a:rPr>
+              <a:t>4 5 6</a:t>
+            </a:r>
+          </a:p>
+          <a:p>
+            <a:r>
+              <a:rPr lang="en-US" sz="2000" dirty="0">
+                <a:latin typeface="Courier New" panose="02070309020205020404" pitchFamily="49" charset="0"/>
+                <a:cs typeface="Courier New" panose="02070309020205020404" pitchFamily="49" charset="0"/>
+              </a:rPr>
+              <a:t>        A C C T G A</a:t>
             </a:r>
           </a:p>
         </p:txBody>
@@ -17717,6 +17833,84 @@
   <p:clrMapOvr>
     <a:masterClrMapping/>
   </p:clrMapOvr>
+  <p:timing>
+    <p:tnLst>
+      <p:par>
+        <p:cTn id="1" dur="indefinite" restart="never" nodeType="tmRoot">
+          <p:childTnLst>
+            <p:seq concurrent="1" nextAc="seek">
+              <p:cTn id="2" dur="indefinite" nodeType="mainSeq">
+                <p:childTnLst>
+                  <p:par>
+                    <p:cTn id="3" fill="hold">
+                      <p:stCondLst>
+                        <p:cond delay="indefinite"/>
+                      </p:stCondLst>
+                      <p:childTnLst>
+                        <p:par>
+                          <p:cTn id="4" fill="hold">
+                            <p:stCondLst>
+                              <p:cond delay="0"/>
+                            </p:stCondLst>
+                            <p:childTnLst>
+                              <p:par>
+                                <p:cTn id="5" presetID="1" presetClass="entr" presetSubtype="0" fill="hold" grpId="0" nodeType="clickEffect">
+                                  <p:stCondLst>
+                                    <p:cond delay="0"/>
+                                  </p:stCondLst>
+                                  <p:childTnLst>
+                                    <p:set>
+                                      <p:cBhvr>
+                                        <p:cTn id="6" dur="1" fill="hold">
+                                          <p:stCondLst>
+                                            <p:cond delay="0"/>
+                                          </p:stCondLst>
+                                        </p:cTn>
+                                        <p:tgtEl>
+                                          <p:spTgt spid="3"/>
+                                        </p:tgtEl>
+                                        <p:attrNameLst>
+                                          <p:attrName>style.visibility</p:attrName>
+                                        </p:attrNameLst>
+                                      </p:cBhvr>
+                                      <p:to>
+                                        <p:strVal val="visible"/>
+                                      </p:to>
+                                    </p:set>
+                                  </p:childTnLst>
+                                </p:cTn>
+                              </p:par>
+                            </p:childTnLst>
+                          </p:cTn>
+                        </p:par>
+                      </p:childTnLst>
+                    </p:cTn>
+                  </p:par>
+                </p:childTnLst>
+              </p:cTn>
+              <p:prevCondLst>
+                <p:cond evt="onPrev" delay="0">
+                  <p:tgtEl>
+                    <p:sldTgt/>
+                  </p:tgtEl>
+                </p:cond>
+              </p:prevCondLst>
+              <p:nextCondLst>
+                <p:cond evt="onNext" delay="0">
+                  <p:tgtEl>
+                    <p:sldTgt/>
+                  </p:tgtEl>
+                </p:cond>
+              </p:nextCondLst>
+            </p:seq>
+          </p:childTnLst>
+        </p:cTn>
+      </p:par>
+    </p:tnLst>
+    <p:bldLst>
+      <p:bldP spid="3" grpId="0"/>
+    </p:bldLst>
+  </p:timing>
 </p:sld>
 </file>
 
@@ -17984,7 +18178,7 @@
         </p:nvSpPr>
         <p:spPr>
           <a:xfrm>
-            <a:off x="745547" y="1926698"/>
+            <a:off x="745547" y="1786920"/>
             <a:ext cx="7910946" cy="1569660"/>
           </a:xfrm>
           <a:prstGeom prst="rect">
@@ -18090,7 +18284,7 @@
         </p:nvSpPr>
         <p:spPr>
           <a:xfrm>
-            <a:off x="616527" y="1210822"/>
+            <a:off x="610777" y="1111300"/>
             <a:ext cx="5769528" cy="523220"/>
           </a:xfrm>
           <a:prstGeom prst="rect">
